--- a/figure/chap1/structure.pptx
+++ b/figure/chap1/structure.pptx
@@ -104,6 +104,11 @@
       </a:defRPr>
     </a:lvl9pPr>
   </p:defaultTextStyle>
+  <p:extLst>
+    <p:ext uri="{EFAFB233-063F-42B5-8137-9DF3F51BA10A}">
+      <p15:sldGuideLst xmlns:p15="http://schemas.microsoft.com/office/powerpoint/2012/main"/>
+    </p:ext>
+  </p:extLst>
 </p:presentation>
 </file>
 
@@ -238,7 +243,7 @@
           <a:p>
             <a:fld id="{2B68380E-AD6F-4132-A800-7A15BFA342E3}" type="datetimeFigureOut">
               <a:rPr lang="zh-CN" altLang="en-US" smtClean="0"/>
-              <a:t>20/8/11</a:t>
+              <a:t>20/8/12</a:t>
             </a:fld>
             <a:endParaRPr lang="zh-CN" altLang="en-US"/>
           </a:p>
@@ -408,7 +413,7 @@
           <a:p>
             <a:fld id="{2B68380E-AD6F-4132-A800-7A15BFA342E3}" type="datetimeFigureOut">
               <a:rPr lang="zh-CN" altLang="en-US" smtClean="0"/>
-              <a:t>20/8/11</a:t>
+              <a:t>20/8/12</a:t>
             </a:fld>
             <a:endParaRPr lang="zh-CN" altLang="en-US"/>
           </a:p>
@@ -588,7 +593,7 @@
           <a:p>
             <a:fld id="{2B68380E-AD6F-4132-A800-7A15BFA342E3}" type="datetimeFigureOut">
               <a:rPr lang="zh-CN" altLang="en-US" smtClean="0"/>
-              <a:t>20/8/11</a:t>
+              <a:t>20/8/12</a:t>
             </a:fld>
             <a:endParaRPr lang="zh-CN" altLang="en-US"/>
           </a:p>
@@ -758,7 +763,7 @@
           <a:p>
             <a:fld id="{2B68380E-AD6F-4132-A800-7A15BFA342E3}" type="datetimeFigureOut">
               <a:rPr lang="zh-CN" altLang="en-US" smtClean="0"/>
-              <a:t>20/8/11</a:t>
+              <a:t>20/8/12</a:t>
             </a:fld>
             <a:endParaRPr lang="zh-CN" altLang="en-US"/>
           </a:p>
@@ -1004,7 +1009,7 @@
           <a:p>
             <a:fld id="{2B68380E-AD6F-4132-A800-7A15BFA342E3}" type="datetimeFigureOut">
               <a:rPr lang="zh-CN" altLang="en-US" smtClean="0"/>
-              <a:t>20/8/11</a:t>
+              <a:t>20/8/12</a:t>
             </a:fld>
             <a:endParaRPr lang="zh-CN" altLang="en-US"/>
           </a:p>
@@ -1236,7 +1241,7 @@
           <a:p>
             <a:fld id="{2B68380E-AD6F-4132-A800-7A15BFA342E3}" type="datetimeFigureOut">
               <a:rPr lang="zh-CN" altLang="en-US" smtClean="0"/>
-              <a:t>20/8/11</a:t>
+              <a:t>20/8/12</a:t>
             </a:fld>
             <a:endParaRPr lang="zh-CN" altLang="en-US"/>
           </a:p>
@@ -1603,7 +1608,7 @@
           <a:p>
             <a:fld id="{2B68380E-AD6F-4132-A800-7A15BFA342E3}" type="datetimeFigureOut">
               <a:rPr lang="zh-CN" altLang="en-US" smtClean="0"/>
-              <a:t>20/8/11</a:t>
+              <a:t>20/8/12</a:t>
             </a:fld>
             <a:endParaRPr lang="zh-CN" altLang="en-US"/>
           </a:p>
@@ -1721,7 +1726,7 @@
           <a:p>
             <a:fld id="{2B68380E-AD6F-4132-A800-7A15BFA342E3}" type="datetimeFigureOut">
               <a:rPr lang="zh-CN" altLang="en-US" smtClean="0"/>
-              <a:t>20/8/11</a:t>
+              <a:t>20/8/12</a:t>
             </a:fld>
             <a:endParaRPr lang="zh-CN" altLang="en-US"/>
           </a:p>
@@ -1816,7 +1821,7 @@
           <a:p>
             <a:fld id="{2B68380E-AD6F-4132-A800-7A15BFA342E3}" type="datetimeFigureOut">
               <a:rPr lang="zh-CN" altLang="en-US" smtClean="0"/>
-              <a:t>20/8/11</a:t>
+              <a:t>20/8/12</a:t>
             </a:fld>
             <a:endParaRPr lang="zh-CN" altLang="en-US"/>
           </a:p>
@@ -2093,7 +2098,7 @@
           <a:p>
             <a:fld id="{2B68380E-AD6F-4132-A800-7A15BFA342E3}" type="datetimeFigureOut">
               <a:rPr lang="zh-CN" altLang="en-US" smtClean="0"/>
-              <a:t>20/8/11</a:t>
+              <a:t>20/8/12</a:t>
             </a:fld>
             <a:endParaRPr lang="zh-CN" altLang="en-US"/>
           </a:p>
@@ -2346,7 +2351,7 @@
           <a:p>
             <a:fld id="{2B68380E-AD6F-4132-A800-7A15BFA342E3}" type="datetimeFigureOut">
               <a:rPr lang="zh-CN" altLang="en-US" smtClean="0"/>
-              <a:t>20/8/11</a:t>
+              <a:t>20/8/12</a:t>
             </a:fld>
             <a:endParaRPr lang="zh-CN" altLang="en-US"/>
           </a:p>
@@ -2559,7 +2564,7 @@
           <a:p>
             <a:fld id="{2B68380E-AD6F-4132-A800-7A15BFA342E3}" type="datetimeFigureOut">
               <a:rPr lang="zh-CN" altLang="en-US" smtClean="0"/>
-              <a:t>20/8/11</a:t>
+              <a:t>20/8/12</a:t>
             </a:fld>
             <a:endParaRPr lang="zh-CN" altLang="en-US"/>
           </a:p>
@@ -2966,16 +2971,16 @@
       </p:grpSpPr>
       <p:grpSp>
         <p:nvGrpSpPr>
-          <p:cNvPr id="25" name="组合 24"/>
+          <p:cNvPr id="46" name="组合 45"/>
           <p:cNvGrpSpPr/>
           <p:nvPr/>
         </p:nvGrpSpPr>
         <p:grpSpPr>
           <a:xfrm>
-            <a:off x="0" y="487245"/>
-            <a:ext cx="11351658" cy="5325408"/>
-            <a:chOff x="0" y="487245"/>
-            <a:chExt cx="11351658" cy="5325408"/>
+            <a:off x="-307959" y="487245"/>
+            <a:ext cx="12496742" cy="5326480"/>
+            <a:chOff x="-307959" y="487245"/>
+            <a:chExt cx="12496742" cy="5326480"/>
           </a:xfrm>
         </p:grpSpPr>
         <p:sp>
@@ -2986,7 +2991,7 @@
           </p:nvSpPr>
           <p:spPr>
             <a:xfrm>
-              <a:off x="0" y="1854548"/>
+              <a:off x="-307959" y="1815901"/>
               <a:ext cx="2253803" cy="1300766"/>
             </a:xfrm>
             <a:prstGeom prst="rect">
@@ -3066,8 +3071,8 @@
           </p:nvSpPr>
           <p:spPr>
             <a:xfrm>
-              <a:off x="2818325" y="487245"/>
-              <a:ext cx="2253803" cy="1300766"/>
+              <a:off x="2444972" y="487245"/>
+              <a:ext cx="4224009" cy="1300766"/>
             </a:xfrm>
             <a:prstGeom prst="rect">
               <a:avLst/>
@@ -3097,7 +3102,6 @@
             <a:bodyPr rtlCol="0" anchor="ctr"/>
             <a:lstStyle/>
             <a:p>
-              <a:pPr algn="ctr"/>
               <a:r>
                 <a:rPr lang="zh-CN" altLang="en-US" sz="2400" dirty="0" smtClean="0">
                   <a:solidFill>
@@ -3106,7 +3110,17 @@
                   <a:latin typeface="黑体" panose="02010609060101010101" pitchFamily="49" charset="-122"/>
                   <a:ea typeface="黑体" panose="02010609060101010101" pitchFamily="49" charset="-122"/>
                 </a:rPr>
-                <a:t>图像聚类</a:t>
+                <a:t>无监督学习：图像</a:t>
+              </a:r>
+              <a:r>
+                <a:rPr lang="zh-CN" altLang="en-US" sz="2400" dirty="0" smtClean="0">
+                  <a:solidFill>
+                    <a:schemeClr val="tx1"/>
+                  </a:solidFill>
+                  <a:latin typeface="黑体" panose="02010609060101010101" pitchFamily="49" charset="-122"/>
+                  <a:ea typeface="黑体" panose="02010609060101010101" pitchFamily="49" charset="-122"/>
+                </a:rPr>
+                <a:t>聚类</a:t>
               </a:r>
               <a:endParaRPr lang="zh-CN" altLang="en-US" sz="2400" dirty="0">
                 <a:solidFill>
@@ -3126,8 +3140,8 @@
           </p:nvSpPr>
           <p:spPr>
             <a:xfrm>
-              <a:off x="2765737" y="1803032"/>
-              <a:ext cx="2358980" cy="1300766"/>
+              <a:off x="2444972" y="1815911"/>
+              <a:ext cx="4224010" cy="1300766"/>
             </a:xfrm>
             <a:prstGeom prst="rect">
               <a:avLst/>
@@ -3157,7 +3171,6 @@
             <a:bodyPr rtlCol="0" anchor="ctr"/>
             <a:lstStyle/>
             <a:p>
-              <a:pPr algn="ctr"/>
               <a:r>
                 <a:rPr lang="zh-CN" altLang="en-US" sz="2400" dirty="0" smtClean="0">
                   <a:solidFill>
@@ -3166,7 +3179,17 @@
                   <a:latin typeface="黑体" panose="02010609060101010101" pitchFamily="49" charset="-122"/>
                   <a:ea typeface="黑体" panose="02010609060101010101" pitchFamily="49" charset="-122"/>
                 </a:rPr>
-                <a:t>多模态约束聚类</a:t>
+                <a:t>半监督学习：多模态</a:t>
+              </a:r>
+              <a:r>
+                <a:rPr lang="zh-CN" altLang="en-US" sz="2400" dirty="0" smtClean="0">
+                  <a:solidFill>
+                    <a:schemeClr val="tx1"/>
+                  </a:solidFill>
+                  <a:latin typeface="黑体" panose="02010609060101010101" pitchFamily="49" charset="-122"/>
+                  <a:ea typeface="黑体" panose="02010609060101010101" pitchFamily="49" charset="-122"/>
+                </a:rPr>
+                <a:t>约束聚类</a:t>
               </a:r>
               <a:endParaRPr lang="zh-CN" altLang="en-US" sz="2400" dirty="0">
                 <a:solidFill>
@@ -3186,8 +3209,8 @@
           </p:nvSpPr>
           <p:spPr>
             <a:xfrm>
-              <a:off x="2765737" y="3672614"/>
-              <a:ext cx="2358980" cy="1300766"/>
+              <a:off x="2444972" y="3698910"/>
+              <a:ext cx="4224008" cy="1300766"/>
             </a:xfrm>
             <a:prstGeom prst="rect">
               <a:avLst/>
@@ -3217,7 +3240,6 @@
             <a:bodyPr rtlCol="0" anchor="ctr"/>
             <a:lstStyle/>
             <a:p>
-              <a:pPr algn="ctr"/>
               <a:r>
                 <a:rPr lang="zh-CN" altLang="en-US" sz="2400" dirty="0" smtClean="0">
                   <a:solidFill>
@@ -3226,7 +3248,17 @@
                   <a:latin typeface="黑体" panose="02010609060101010101" pitchFamily="49" charset="-122"/>
                   <a:ea typeface="黑体" panose="02010609060101010101" pitchFamily="49" charset="-122"/>
                 </a:rPr>
-                <a:t>自然图像抠图</a:t>
+                <a:t>监督学习：  自然</a:t>
+              </a:r>
+              <a:r>
+                <a:rPr lang="zh-CN" altLang="en-US" sz="2400" dirty="0" smtClean="0">
+                  <a:solidFill>
+                    <a:schemeClr val="tx1"/>
+                  </a:solidFill>
+                  <a:latin typeface="黑体" panose="02010609060101010101" pitchFamily="49" charset="-122"/>
+                  <a:ea typeface="黑体" panose="02010609060101010101" pitchFamily="49" charset="-122"/>
+                </a:rPr>
+                <a:t>图像抠图</a:t>
               </a:r>
               <a:endParaRPr lang="zh-CN" altLang="en-US" sz="2400" dirty="0">
                 <a:solidFill>
@@ -3246,8 +3278,8 @@
           </p:nvSpPr>
           <p:spPr>
             <a:xfrm>
-              <a:off x="5713928" y="487245"/>
-              <a:ext cx="2253803" cy="1300766"/>
+              <a:off x="7335058" y="487245"/>
+              <a:ext cx="2010717" cy="1300766"/>
             </a:xfrm>
             <a:prstGeom prst="rect">
               <a:avLst/>
@@ -3306,8 +3338,8 @@
           </p:nvSpPr>
           <p:spPr>
             <a:xfrm>
-              <a:off x="5713928" y="1803032"/>
-              <a:ext cx="2253803" cy="1300766"/>
+              <a:off x="7335058" y="1815911"/>
+              <a:ext cx="2010717" cy="1300766"/>
             </a:xfrm>
             <a:prstGeom prst="rect">
               <a:avLst/>
@@ -3366,8 +3398,8 @@
           </p:nvSpPr>
           <p:spPr>
             <a:xfrm>
-              <a:off x="9097855" y="1803032"/>
-              <a:ext cx="2253803" cy="1300766"/>
+              <a:off x="10205440" y="1815911"/>
+              <a:ext cx="1983343" cy="1300766"/>
             </a:xfrm>
             <a:prstGeom prst="rect">
               <a:avLst/>
@@ -3426,8 +3458,8 @@
           </p:nvSpPr>
           <p:spPr>
             <a:xfrm>
-              <a:off x="5713927" y="3022231"/>
-              <a:ext cx="2253803" cy="1300766"/>
+              <a:off x="7335058" y="3022231"/>
+              <a:ext cx="2010716" cy="1300766"/>
             </a:xfrm>
             <a:prstGeom prst="rect">
               <a:avLst/>
@@ -3496,8 +3528,8 @@
           </p:nvSpPr>
           <p:spPr>
             <a:xfrm>
-              <a:off x="5713926" y="4511887"/>
-              <a:ext cx="2253803" cy="1300766"/>
+              <a:off x="7285427" y="4512959"/>
+              <a:ext cx="2105157" cy="1300766"/>
             </a:xfrm>
             <a:prstGeom prst="rect">
               <a:avLst/>
@@ -3579,8 +3611,8 @@
           </p:nvCxnSpPr>
           <p:spPr>
             <a:xfrm>
-              <a:off x="7967731" y="2453415"/>
-              <a:ext cx="1130124" cy="0"/>
+              <a:off x="9345775" y="2466294"/>
+              <a:ext cx="859665" cy="0"/>
             </a:xfrm>
             <a:prstGeom prst="straightConnector1">
               <a:avLst/>
@@ -3612,7 +3644,7 @@
           </p:nvSpPr>
           <p:spPr>
             <a:xfrm>
-              <a:off x="7405891" y="1526136"/>
+              <a:off x="8635019" y="1544382"/>
               <a:ext cx="2253803" cy="1300766"/>
             </a:xfrm>
             <a:prstGeom prst="rect">
@@ -3672,13 +3704,13 @@
           </p:nvSpPr>
           <p:spPr>
             <a:xfrm>
-              <a:off x="2123937" y="1133342"/>
-              <a:ext cx="771666" cy="3189656"/>
+              <a:off x="1801962" y="1133342"/>
+              <a:ext cx="552857" cy="3189656"/>
             </a:xfrm>
             <a:prstGeom prst="leftBrace">
               <a:avLst>
                 <a:gd name="adj1" fmla="val 121475"/>
-                <a:gd name="adj2" fmla="val 44019"/>
+                <a:gd name="adj2" fmla="val 42000"/>
               </a:avLst>
             </a:prstGeom>
             <a:ln w="57150">
@@ -3720,8 +3752,8 @@
           </p:nvSpPr>
           <p:spPr>
             <a:xfrm>
-              <a:off x="5124717" y="3536316"/>
-              <a:ext cx="589209" cy="1625954"/>
+              <a:off x="6872085" y="3606607"/>
+              <a:ext cx="462972" cy="1625954"/>
             </a:xfrm>
             <a:prstGeom prst="leftBrace">
               <a:avLst>
@@ -3771,8 +3803,8 @@
           </p:nvCxnSpPr>
           <p:spPr>
             <a:xfrm>
-              <a:off x="5124717" y="2453415"/>
-              <a:ext cx="589211" cy="0"/>
+              <a:off x="6668982" y="2466294"/>
+              <a:ext cx="666076" cy="0"/>
             </a:xfrm>
             <a:prstGeom prst="straightConnector1">
               <a:avLst/>
@@ -3807,8 +3839,8 @@
           </p:nvCxnSpPr>
           <p:spPr>
             <a:xfrm>
-              <a:off x="5072128" y="1137628"/>
-              <a:ext cx="641800" cy="0"/>
+              <a:off x="6668981" y="1137628"/>
+              <a:ext cx="666077" cy="0"/>
             </a:xfrm>
             <a:prstGeom prst="straightConnector1">
               <a:avLst/>

--- a/figure/chap1/structure.pptx
+++ b/figure/chap1/structure.pptx
@@ -2971,16 +2971,16 @@
       </p:grpSpPr>
       <p:grpSp>
         <p:nvGrpSpPr>
-          <p:cNvPr id="46" name="组合 45"/>
+          <p:cNvPr id="2" name="组合 1"/>
           <p:cNvGrpSpPr/>
           <p:nvPr/>
         </p:nvGrpSpPr>
         <p:grpSpPr>
           <a:xfrm>
-            <a:off x="-307959" y="487245"/>
-            <a:ext cx="12496742" cy="5326480"/>
-            <a:chOff x="-307959" y="487245"/>
-            <a:chExt cx="12496742" cy="5326480"/>
+            <a:off x="-346596" y="487245"/>
+            <a:ext cx="12677048" cy="5326480"/>
+            <a:chOff x="-346596" y="487245"/>
+            <a:chExt cx="12677048" cy="5326480"/>
           </a:xfrm>
         </p:grpSpPr>
         <p:sp>
@@ -2991,7 +2991,7 @@
           </p:nvSpPr>
           <p:spPr>
             <a:xfrm>
-              <a:off x="-307959" y="1815901"/>
+              <a:off x="-346596" y="1815901"/>
               <a:ext cx="2253803" cy="1300766"/>
             </a:xfrm>
             <a:prstGeom prst="rect">
@@ -3071,7 +3071,7 @@
           </p:nvSpPr>
           <p:spPr>
             <a:xfrm>
-              <a:off x="2444972" y="487245"/>
+              <a:off x="2586641" y="487245"/>
               <a:ext cx="4224009" cy="1300766"/>
             </a:xfrm>
             <a:prstGeom prst="rect">
@@ -3110,17 +3110,7 @@
                   <a:latin typeface="黑体" panose="02010609060101010101" pitchFamily="49" charset="-122"/>
                   <a:ea typeface="黑体" panose="02010609060101010101" pitchFamily="49" charset="-122"/>
                 </a:rPr>
-                <a:t>无监督学习：图像</a:t>
-              </a:r>
-              <a:r>
-                <a:rPr lang="zh-CN" altLang="en-US" sz="2400" dirty="0" smtClean="0">
-                  <a:solidFill>
-                    <a:schemeClr val="tx1"/>
-                  </a:solidFill>
-                  <a:latin typeface="黑体" panose="02010609060101010101" pitchFamily="49" charset="-122"/>
-                  <a:ea typeface="黑体" panose="02010609060101010101" pitchFamily="49" charset="-122"/>
-                </a:rPr>
-                <a:t>聚类</a:t>
+                <a:t>无监督学习：图像聚类</a:t>
               </a:r>
               <a:endParaRPr lang="zh-CN" altLang="en-US" sz="2400" dirty="0">
                 <a:solidFill>
@@ -3140,7 +3130,7 @@
           </p:nvSpPr>
           <p:spPr>
             <a:xfrm>
-              <a:off x="2444972" y="1815911"/>
+              <a:off x="2586641" y="1815911"/>
               <a:ext cx="4224010" cy="1300766"/>
             </a:xfrm>
             <a:prstGeom prst="rect">
@@ -3179,17 +3169,7 @@
                   <a:latin typeface="黑体" panose="02010609060101010101" pitchFamily="49" charset="-122"/>
                   <a:ea typeface="黑体" panose="02010609060101010101" pitchFamily="49" charset="-122"/>
                 </a:rPr>
-                <a:t>半监督学习：多模态</a:t>
-              </a:r>
-              <a:r>
-                <a:rPr lang="zh-CN" altLang="en-US" sz="2400" dirty="0" smtClean="0">
-                  <a:solidFill>
-                    <a:schemeClr val="tx1"/>
-                  </a:solidFill>
-                  <a:latin typeface="黑体" panose="02010609060101010101" pitchFamily="49" charset="-122"/>
-                  <a:ea typeface="黑体" panose="02010609060101010101" pitchFamily="49" charset="-122"/>
-                </a:rPr>
-                <a:t>约束聚类</a:t>
+                <a:t>半监督学习：多模态约束聚类</a:t>
               </a:r>
               <a:endParaRPr lang="zh-CN" altLang="en-US" sz="2400" dirty="0">
                 <a:solidFill>
@@ -3209,7 +3189,7 @@
           </p:nvSpPr>
           <p:spPr>
             <a:xfrm>
-              <a:off x="2444972" y="3698910"/>
+              <a:off x="2586641" y="3698910"/>
               <a:ext cx="4224008" cy="1300766"/>
             </a:xfrm>
             <a:prstGeom prst="rect">
@@ -3248,17 +3228,7 @@
                   <a:latin typeface="黑体" panose="02010609060101010101" pitchFamily="49" charset="-122"/>
                   <a:ea typeface="黑体" panose="02010609060101010101" pitchFamily="49" charset="-122"/>
                 </a:rPr>
-                <a:t>监督学习：  自然</a:t>
-              </a:r>
-              <a:r>
-                <a:rPr lang="zh-CN" altLang="en-US" sz="2400" dirty="0" smtClean="0">
-                  <a:solidFill>
-                    <a:schemeClr val="tx1"/>
-                  </a:solidFill>
-                  <a:latin typeface="黑体" panose="02010609060101010101" pitchFamily="49" charset="-122"/>
-                  <a:ea typeface="黑体" panose="02010609060101010101" pitchFamily="49" charset="-122"/>
-                </a:rPr>
-                <a:t>图像抠图</a:t>
+                <a:t>监督学习：  自然图像抠图</a:t>
               </a:r>
               <a:endParaRPr lang="zh-CN" altLang="en-US" sz="2400" dirty="0">
                 <a:solidFill>
@@ -3278,7 +3248,7 @@
           </p:nvSpPr>
           <p:spPr>
             <a:xfrm>
-              <a:off x="7335058" y="487245"/>
+              <a:off x="7476727" y="487245"/>
               <a:ext cx="2010717" cy="1300766"/>
             </a:xfrm>
             <a:prstGeom prst="rect">
@@ -3338,7 +3308,7 @@
           </p:nvSpPr>
           <p:spPr>
             <a:xfrm>
-              <a:off x="7335058" y="1815911"/>
+              <a:off x="7476727" y="1815911"/>
               <a:ext cx="2010717" cy="1300766"/>
             </a:xfrm>
             <a:prstGeom prst="rect">
@@ -3398,7 +3368,7 @@
           </p:nvSpPr>
           <p:spPr>
             <a:xfrm>
-              <a:off x="10205440" y="1815911"/>
+              <a:off x="10347109" y="1815911"/>
               <a:ext cx="1983343" cy="1300766"/>
             </a:xfrm>
             <a:prstGeom prst="rect">
@@ -3458,7 +3428,7 @@
           </p:nvSpPr>
           <p:spPr>
             <a:xfrm>
-              <a:off x="7335058" y="3022231"/>
+              <a:off x="7476727" y="3022231"/>
               <a:ext cx="2010716" cy="1300766"/>
             </a:xfrm>
             <a:prstGeom prst="rect">
@@ -3528,7 +3498,7 @@
           </p:nvSpPr>
           <p:spPr>
             <a:xfrm>
-              <a:off x="7285427" y="4512959"/>
+              <a:off x="7427096" y="4512959"/>
               <a:ext cx="2105157" cy="1300766"/>
             </a:xfrm>
             <a:prstGeom prst="rect">
@@ -3611,7 +3581,7 @@
           </p:nvCxnSpPr>
           <p:spPr>
             <a:xfrm>
-              <a:off x="9345775" y="2466294"/>
+              <a:off x="9487444" y="2466294"/>
               <a:ext cx="859665" cy="0"/>
             </a:xfrm>
             <a:prstGeom prst="straightConnector1">
@@ -3644,7 +3614,7 @@
           </p:nvSpPr>
           <p:spPr>
             <a:xfrm>
-              <a:off x="8635019" y="1544382"/>
+              <a:off x="8776688" y="1544382"/>
               <a:ext cx="2253803" cy="1300766"/>
             </a:xfrm>
             <a:prstGeom prst="rect">
@@ -3704,7 +3674,7 @@
           </p:nvSpPr>
           <p:spPr>
             <a:xfrm>
-              <a:off x="1801962" y="1133342"/>
+              <a:off x="1943631" y="1133342"/>
               <a:ext cx="552857" cy="3189656"/>
             </a:xfrm>
             <a:prstGeom prst="leftBrace">
@@ -3752,7 +3722,7 @@
           </p:nvSpPr>
           <p:spPr>
             <a:xfrm>
-              <a:off x="6872085" y="3606607"/>
+              <a:off x="7013754" y="3606607"/>
               <a:ext cx="462972" cy="1625954"/>
             </a:xfrm>
             <a:prstGeom prst="leftBrace">
@@ -3803,7 +3773,7 @@
           </p:nvCxnSpPr>
           <p:spPr>
             <a:xfrm>
-              <a:off x="6668982" y="2466294"/>
+              <a:off x="6810651" y="2466294"/>
               <a:ext cx="666076" cy="0"/>
             </a:xfrm>
             <a:prstGeom prst="straightConnector1">
@@ -3839,7 +3809,7 @@
           </p:nvCxnSpPr>
           <p:spPr>
             <a:xfrm>
-              <a:off x="6668981" y="1137628"/>
+              <a:off x="6810650" y="1137628"/>
               <a:ext cx="666077" cy="0"/>
             </a:xfrm>
             <a:prstGeom prst="straightConnector1">
